--- a/121/NMOP/nmop-interim-swisscom-network-anomaly-architecture.pptx
+++ b/121/NMOP/nmop-interim-swisscom-network-anomaly-architecture.pptx
@@ -125,6 +125,35 @@
 </p188:authorLst>
 </file>
 
+<file path=ppt/changesInfos/changesInfo1.xml><?xml version="1.0" encoding="utf-8"?>
+<pc:chgInfo xmlns:a="http://schemas.openxmlformats.org/drawingml/2006/main" xmlns:r="http://schemas.openxmlformats.org/officeDocument/2006/relationships" xmlns:ac="http://schemas.microsoft.com/office/drawing/2013/main/command" xmlns:pc="http://schemas.microsoft.com/office/powerpoint/2013/main/command">
+  <pc:docChgLst>
+    <pc:chgData name="Graf Thomas, INI-NET-VNC-HCS" userId="487bc3e3-9ce7-4cdd-b7b4-8899ea88d289" providerId="ADAL" clId="{4672A386-2237-4AB9-AD15-84B4059364C2}"/>
+    <pc:docChg chg="modSld">
+      <pc:chgData name="Graf Thomas, INI-NET-VNC-HCS" userId="487bc3e3-9ce7-4cdd-b7b4-8899ea88d289" providerId="ADAL" clId="{4672A386-2237-4AB9-AD15-84B4059364C2}" dt="2024-09-06T11:58:02.692" v="169" actId="255"/>
+      <pc:docMkLst>
+        <pc:docMk/>
+      </pc:docMkLst>
+      <pc:sldChg chg="modSp mod">
+        <pc:chgData name="Graf Thomas, INI-NET-VNC-HCS" userId="487bc3e3-9ce7-4cdd-b7b4-8899ea88d289" providerId="ADAL" clId="{4672A386-2237-4AB9-AD15-84B4059364C2}" dt="2024-09-06T11:58:02.692" v="169" actId="255"/>
+        <pc:sldMkLst>
+          <pc:docMk/>
+          <pc:sldMk cId="2617504443" sldId="2145706242"/>
+        </pc:sldMkLst>
+        <pc:spChg chg="mod">
+          <ac:chgData name="Graf Thomas, INI-NET-VNC-HCS" userId="487bc3e3-9ce7-4cdd-b7b4-8899ea88d289" providerId="ADAL" clId="{4672A386-2237-4AB9-AD15-84B4059364C2}" dt="2024-09-06T11:58:02.692" v="169" actId="255"/>
+          <ac:spMkLst>
+            <pc:docMk/>
+            <pc:sldMk cId="2617504443" sldId="2145706242"/>
+            <ac:spMk id="3" creationId="{29C0DFD4-432D-4B0C-93DF-790441DCF5B9}"/>
+          </ac:spMkLst>
+        </pc:spChg>
+      </pc:sldChg>
+    </pc:docChg>
+  </pc:docChgLst>
+</pc:chgInfo>
+</file>
+
 <file path=ppt/notesMasters/notesMaster1.xml><?xml version="1.0" encoding="utf-8"?>
 <p:notesMaster xmlns:a="http://schemas.openxmlformats.org/drawingml/2006/main" xmlns:r="http://schemas.openxmlformats.org/officeDocument/2006/relationships" xmlns:p="http://schemas.openxmlformats.org/presentationml/2006/main">
   <p:cSld>
@@ -207,7 +236,7 @@
           <a:p>
             <a:fld id="{6FA1DFE0-4596-6F42-9BFF-249202CE169A}" type="datetimeFigureOut">
               <a:rPr lang="en-CH" smtClean="0"/>
-              <a:t>06.09.2024</a:t>
+              <a:t>09/06/2024</a:t>
             </a:fld>
             <a:endParaRPr lang="en-CH"/>
           </a:p>
@@ -1044,7 +1073,7 @@
           <a:p>
             <a:fld id="{ECD22BDD-5A8E-D442-AFB1-3E73609A0349}" type="datetimeFigureOut">
               <a:rPr lang="en-CH" smtClean="0"/>
-              <a:t>06.09.2024</a:t>
+              <a:t>09/06/2024</a:t>
             </a:fld>
             <a:endParaRPr lang="en-CH"/>
           </a:p>
@@ -1244,7 +1273,7 @@
           <a:p>
             <a:fld id="{ECD22BDD-5A8E-D442-AFB1-3E73609A0349}" type="datetimeFigureOut">
               <a:rPr lang="en-CH" smtClean="0"/>
-              <a:t>06.09.2024</a:t>
+              <a:t>09/06/2024</a:t>
             </a:fld>
             <a:endParaRPr lang="en-CH"/>
           </a:p>
@@ -1454,7 +1483,7 @@
           <a:p>
             <a:fld id="{ECD22BDD-5A8E-D442-AFB1-3E73609A0349}" type="datetimeFigureOut">
               <a:rPr lang="en-CH" smtClean="0"/>
-              <a:t>06.09.2024</a:t>
+              <a:t>09/06/2024</a:t>
             </a:fld>
             <a:endParaRPr lang="en-CH"/>
           </a:p>
@@ -1883,7 +1912,7 @@
           <a:p>
             <a:fld id="{ECD22BDD-5A8E-D442-AFB1-3E73609A0349}" type="datetimeFigureOut">
               <a:rPr lang="en-CH" smtClean="0"/>
-              <a:t>06.09.2024</a:t>
+              <a:t>09/06/2024</a:t>
             </a:fld>
             <a:endParaRPr lang="en-CH"/>
           </a:p>
@@ -2159,7 +2188,7 @@
           <a:p>
             <a:fld id="{ECD22BDD-5A8E-D442-AFB1-3E73609A0349}" type="datetimeFigureOut">
               <a:rPr lang="en-CH" smtClean="0"/>
-              <a:t>06.09.2024</a:t>
+              <a:t>09/06/2024</a:t>
             </a:fld>
             <a:endParaRPr lang="en-CH"/>
           </a:p>
@@ -2427,7 +2456,7 @@
           <a:p>
             <a:fld id="{ECD22BDD-5A8E-D442-AFB1-3E73609A0349}" type="datetimeFigureOut">
               <a:rPr lang="en-CH" smtClean="0"/>
-              <a:t>06.09.2024</a:t>
+              <a:t>09/06/2024</a:t>
             </a:fld>
             <a:endParaRPr lang="en-CH"/>
           </a:p>
@@ -2842,7 +2871,7 @@
           <a:p>
             <a:fld id="{ECD22BDD-5A8E-D442-AFB1-3E73609A0349}" type="datetimeFigureOut">
               <a:rPr lang="en-CH" smtClean="0"/>
-              <a:t>06.09.2024</a:t>
+              <a:t>09/06/2024</a:t>
             </a:fld>
             <a:endParaRPr lang="en-CH"/>
           </a:p>
@@ -2984,7 +3013,7 @@
           <a:p>
             <a:fld id="{ECD22BDD-5A8E-D442-AFB1-3E73609A0349}" type="datetimeFigureOut">
               <a:rPr lang="en-CH" smtClean="0"/>
-              <a:t>06.09.2024</a:t>
+              <a:t>09/06/2024</a:t>
             </a:fld>
             <a:endParaRPr lang="en-CH"/>
           </a:p>
@@ -3097,7 +3126,7 @@
           <a:p>
             <a:fld id="{ECD22BDD-5A8E-D442-AFB1-3E73609A0349}" type="datetimeFigureOut">
               <a:rPr lang="en-CH" smtClean="0"/>
-              <a:t>06.09.2024</a:t>
+              <a:t>09/06/2024</a:t>
             </a:fld>
             <a:endParaRPr lang="en-CH"/>
           </a:p>
@@ -3410,7 +3439,7 @@
           <a:p>
             <a:fld id="{ECD22BDD-5A8E-D442-AFB1-3E73609A0349}" type="datetimeFigureOut">
               <a:rPr lang="en-CH" smtClean="0"/>
-              <a:t>06.09.2024</a:t>
+              <a:t>09/06/2024</a:t>
             </a:fld>
             <a:endParaRPr lang="en-CH"/>
           </a:p>
@@ -3699,7 +3728,7 @@
           <a:p>
             <a:fld id="{ECD22BDD-5A8E-D442-AFB1-3E73609A0349}" type="datetimeFigureOut">
               <a:rPr lang="en-CH" smtClean="0"/>
-              <a:t>06.09.2024</a:t>
+              <a:t>09/06/2024</a:t>
             </a:fld>
             <a:endParaRPr lang="en-CH"/>
           </a:p>
@@ -3942,7 +3971,7 @@
           <a:p>
             <a:fld id="{ECD22BDD-5A8E-D442-AFB1-3E73609A0349}" type="datetimeFigureOut">
               <a:rPr lang="en-CH" smtClean="0"/>
-              <a:t>06.09.2024</a:t>
+              <a:t>09/06/2024</a:t>
             </a:fld>
             <a:endParaRPr lang="en-CH"/>
           </a:p>
@@ -8313,6 +8342,17 @@
                 <a:spcPts val="300"/>
               </a:spcBef>
             </a:pPr>
+            <a:r>
+              <a:rPr lang="en-US" sz="1700" dirty="0"/>
+              <a:t>Working group adoption call in progress. Thanks Alex and Nacho for feedback.</a:t>
+            </a:r>
+          </a:p>
+          <a:p>
+            <a:pPr>
+              <a:spcBef>
+                <a:spcPts val="300"/>
+              </a:spcBef>
+            </a:pPr>
             <a:endParaRPr lang="en-US" sz="1700" dirty="0"/>
           </a:p>
           <a:p>
@@ -8335,7 +8375,18 @@
             </a:pPr>
             <a:r>
               <a:rPr lang="en-US" sz="1700" dirty="0"/>
-              <a:t>Optimization of the document structure</a:t>
+              <a:t>Optimize document structure</a:t>
+            </a:r>
+          </a:p>
+          <a:p>
+            <a:pPr>
+              <a:spcBef>
+                <a:spcPts val="300"/>
+              </a:spcBef>
+            </a:pPr>
+            <a:r>
+              <a:rPr lang="en-US" sz="1700" dirty="0"/>
+              <a:t>Detail architecture elements</a:t>
             </a:r>
           </a:p>
           <a:p>
@@ -8461,7 +8512,7 @@
               </a:spcBef>
             </a:pPr>
             <a:r>
-              <a:rPr lang="en-GB" sz="1300" dirty="0"/>
+              <a:rPr lang="en-GB" sz="1700" dirty="0"/>
               <a:t>Service VS Customer</a:t>
             </a:r>
           </a:p>
@@ -8472,10 +8523,10 @@
               </a:spcBef>
             </a:pPr>
             <a:r>
-              <a:rPr lang="en-GB" sz="1300" dirty="0"/>
+              <a:rPr lang="en-GB" sz="1700" dirty="0"/>
               <a:t>Symptom</a:t>
             </a:r>
-            <a:endParaRPr lang="en-US" sz="1300" b="1" dirty="0"/>
+            <a:endParaRPr lang="en-US" sz="1700" b="1" dirty="0"/>
           </a:p>
           <a:p>
             <a:pPr marL="0" indent="0">
@@ -8524,7 +8575,7 @@
                   <a:srgbClr val="FF0000"/>
                 </a:solidFill>
               </a:rPr>
-              <a:t> to address some comments</a:t>
+              <a:t> to address working group comments</a:t>
             </a:r>
           </a:p>
           <a:p>
@@ -9224,4 +9275,10 @@
     </a:ext>
   </a:extLst>
 </a:theme>
+</file>
+
+<file path=docMetadata/LabelInfo.xml><?xml version="1.0" encoding="utf-8"?>
+<clbl:labelList xmlns:clbl="http://schemas.microsoft.com/office/2020/mipLabelMetadata">
+  <clbl:label id="{2e1fccfb-80ca-4fe1-a574-1516544edb53}" enabled="1" method="Standard" siteId="{364e5b87-c1c7-420d-9bee-c35d19b557a1}" removed="0"/>
+</clbl:labelList>
 </file>